--- a/ui/userinterface.pptx
+++ b/ui/userinterface.pptx
@@ -104,6 +104,11 @@
       </a:defRPr>
     </a:lvl9pPr>
   </p:defaultTextStyle>
+  <p:extLst>
+    <p:ext uri="{EFAFB233-063F-42B5-8137-9DF3F51BA10A}">
+      <p15:sldGuideLst xmlns:p15="http://schemas.microsoft.com/office/powerpoint/2012/main"/>
+    </p:ext>
+  </p:extLst>
 </p:presentation>
 </file>
 
@@ -3341,6 +3346,20 @@
           <a:prstGeom prst="rect">
             <a:avLst/>
           </a:prstGeom>
+          <a:ln>
+            <a:gradFill flip="none" rotWithShape="1">
+              <a:gsLst>
+                <a:gs pos="0">
+                  <a:srgbClr val="34C0E9"/>
+                </a:gs>
+                <a:gs pos="100000">
+                  <a:srgbClr val="8DD76E"/>
+                </a:gs>
+              </a:gsLst>
+              <a:lin ang="0" scaled="1"/>
+              <a:tileRect/>
+            </a:gradFill>
+          </a:ln>
         </p:spPr>
         <p:style>
           <a:lnRef idx="2">
@@ -3587,10 +3606,10 @@
         </p:nvGrpSpPr>
         <p:grpSpPr>
           <a:xfrm>
-            <a:off x="2557227" y="1948518"/>
-            <a:ext cx="5962928" cy="579304"/>
-            <a:chOff x="2589314" y="1915860"/>
-            <a:chExt cx="5962928" cy="579304"/>
+            <a:off x="2575107" y="1946532"/>
+            <a:ext cx="5945048" cy="581290"/>
+            <a:chOff x="2607194" y="1913874"/>
+            <a:chExt cx="5945048" cy="581290"/>
           </a:xfrm>
         </p:grpSpPr>
         <p:grpSp>
@@ -4022,7 +4041,7 @@
           </p:nvSpPr>
           <p:spPr>
             <a:xfrm>
-              <a:off x="2589314" y="1915860"/>
+              <a:off x="2607661" y="1913874"/>
               <a:ext cx="1629742" cy="307777"/>
             </a:xfrm>
             <a:prstGeom prst="rect">
@@ -4084,6 +4103,687 @@
           </a:fontRef>
         </p:style>
       </p:cxnSp>
+      <p:sp>
+        <p:nvSpPr>
+          <p:cNvPr id="24" name="Rechteck 23">
+            <a:extLst>
+              <a:ext uri="{FF2B5EF4-FFF2-40B4-BE49-F238E27FC236}">
+                <a16:creationId xmlns:a16="http://schemas.microsoft.com/office/drawing/2014/main" id="{2BEF830C-5EFE-C744-B82F-E9A8BCFB37A1}"/>
+              </a:ext>
+            </a:extLst>
+          </p:cNvPr>
+          <p:cNvSpPr/>
+          <p:nvPr/>
+        </p:nvSpPr>
+        <p:spPr>
+          <a:xfrm rot="10800000" flipV="1">
+            <a:off x="2574000" y="3315469"/>
+            <a:ext cx="1463360" cy="244720"/>
+          </a:xfrm>
+          <a:prstGeom prst="rect">
+            <a:avLst/>
+          </a:prstGeom>
+        </p:spPr>
+        <p:style>
+          <a:lnRef idx="2">
+            <a:schemeClr val="accent3"/>
+          </a:lnRef>
+          <a:fillRef idx="1">
+            <a:schemeClr val="lt1"/>
+          </a:fillRef>
+          <a:effectRef idx="0">
+            <a:schemeClr val="accent3"/>
+          </a:effectRef>
+          <a:fontRef idx="minor">
+            <a:schemeClr val="dk1"/>
+          </a:fontRef>
+        </p:style>
+        <p:txBody>
+          <a:bodyPr rtlCol="0" anchor="ctr"/>
+          <a:lstStyle/>
+          <a:p>
+            <a:r>
+              <a:rPr lang="de-DE" sz="1200" dirty="0"/>
+              <a:t>MY_APP</a:t>
+            </a:r>
+          </a:p>
+        </p:txBody>
+      </p:sp>
+      <p:sp>
+        <p:nvSpPr>
+          <p:cNvPr id="26" name="Rechteck 25">
+            <a:extLst>
+              <a:ext uri="{FF2B5EF4-FFF2-40B4-BE49-F238E27FC236}">
+                <a16:creationId xmlns:a16="http://schemas.microsoft.com/office/drawing/2014/main" id="{BCB58103-BE61-0D44-948D-AC58525C1DE6}"/>
+              </a:ext>
+            </a:extLst>
+          </p:cNvPr>
+          <p:cNvSpPr/>
+          <p:nvPr/>
+        </p:nvSpPr>
+        <p:spPr>
+          <a:xfrm rot="10800000" flipV="1">
+            <a:off x="4155256" y="3315470"/>
+            <a:ext cx="1219201" cy="244720"/>
+          </a:xfrm>
+          <a:prstGeom prst="rect">
+            <a:avLst/>
+          </a:prstGeom>
+          <a:ln>
+            <a:bevel/>
+          </a:ln>
+        </p:spPr>
+        <p:style>
+          <a:lnRef idx="2">
+            <a:schemeClr val="accent3">
+              <a:shade val="50000"/>
+            </a:schemeClr>
+          </a:lnRef>
+          <a:fillRef idx="1">
+            <a:schemeClr val="accent3"/>
+          </a:fillRef>
+          <a:effectRef idx="0">
+            <a:schemeClr val="accent3"/>
+          </a:effectRef>
+          <a:fontRef idx="minor">
+            <a:schemeClr val="lt1"/>
+          </a:fontRef>
+        </p:style>
+        <p:txBody>
+          <a:bodyPr rIns="90000" rtlCol="0" anchor="ctr"/>
+          <a:lstStyle/>
+          <a:p>
+            <a:pPr algn="ctr"/>
+            <a:r>
+              <a:rPr lang="de-DE" sz="1200" dirty="0"/>
+              <a:t>Open</a:t>
+            </a:r>
+          </a:p>
+        </p:txBody>
+      </p:sp>
+      <p:sp>
+        <p:nvSpPr>
+          <p:cNvPr id="27" name="Textfeld 26">
+            <a:extLst>
+              <a:ext uri="{FF2B5EF4-FFF2-40B4-BE49-F238E27FC236}">
+                <a16:creationId xmlns:a16="http://schemas.microsoft.com/office/drawing/2014/main" id="{F2457356-75B4-8C48-BC9E-B92823B85484}"/>
+              </a:ext>
+            </a:extLst>
+          </p:cNvPr>
+          <p:cNvSpPr txBox="1"/>
+          <p:nvPr/>
+        </p:nvSpPr>
+        <p:spPr>
+          <a:xfrm>
+            <a:off x="2573999" y="2974127"/>
+            <a:ext cx="1111971" cy="307777"/>
+          </a:xfrm>
+          <a:prstGeom prst="rect">
+            <a:avLst/>
+          </a:prstGeom>
+          <a:noFill/>
+        </p:spPr>
+        <p:txBody>
+          <a:bodyPr wrap="none" lIns="0" rtlCol="0">
+            <a:spAutoFit/>
+          </a:bodyPr>
+          <a:lstStyle/>
+          <a:p>
+            <a:r>
+              <a:rPr lang="de-DE" sz="1400" dirty="0">
+                <a:solidFill>
+                  <a:schemeClr val="dk1"/>
+                </a:solidFill>
+              </a:rPr>
+              <a:t>SPL </a:t>
+            </a:r>
+            <a:r>
+              <a:rPr lang="de-DE" sz="1400" dirty="0" err="1">
+                <a:solidFill>
+                  <a:schemeClr val="dk1"/>
+                </a:solidFill>
+              </a:rPr>
+              <a:t>command</a:t>
+            </a:r>
+            <a:endParaRPr lang="de-DE" sz="1400" dirty="0">
+              <a:solidFill>
+                <a:schemeClr val="dk1"/>
+              </a:solidFill>
+            </a:endParaRPr>
+          </a:p>
+        </p:txBody>
+      </p:sp>
+      <p:sp>
+        <p:nvSpPr>
+          <p:cNvPr id="28" name="Rechteck 27">
+            <a:extLst>
+              <a:ext uri="{FF2B5EF4-FFF2-40B4-BE49-F238E27FC236}">
+                <a16:creationId xmlns:a16="http://schemas.microsoft.com/office/drawing/2014/main" id="{282A91C6-F8D0-B045-8DF9-5DDC555C0103}"/>
+              </a:ext>
+            </a:extLst>
+          </p:cNvPr>
+          <p:cNvSpPr/>
+          <p:nvPr/>
+        </p:nvSpPr>
+        <p:spPr>
+          <a:xfrm rot="10800000" flipV="1">
+            <a:off x="5719697" y="3316766"/>
+            <a:ext cx="1463360" cy="244720"/>
+          </a:xfrm>
+          <a:prstGeom prst="rect">
+            <a:avLst/>
+          </a:prstGeom>
+        </p:spPr>
+        <p:style>
+          <a:lnRef idx="2">
+            <a:schemeClr val="accent3"/>
+          </a:lnRef>
+          <a:fillRef idx="1">
+            <a:schemeClr val="lt1"/>
+          </a:fillRef>
+          <a:effectRef idx="0">
+            <a:schemeClr val="accent3"/>
+          </a:effectRef>
+          <a:fontRef idx="minor">
+            <a:schemeClr val="dk1"/>
+          </a:fontRef>
+        </p:style>
+        <p:txBody>
+          <a:bodyPr rtlCol="0" anchor="ctr"/>
+          <a:lstStyle/>
+          <a:p>
+            <a:r>
+              <a:rPr lang="de-DE" sz="1200" dirty="0"/>
+              <a:t>MY_APP</a:t>
+            </a:r>
+          </a:p>
+        </p:txBody>
+      </p:sp>
+      <p:sp>
+        <p:nvSpPr>
+          <p:cNvPr id="29" name="Rechteck 28">
+            <a:extLst>
+              <a:ext uri="{FF2B5EF4-FFF2-40B4-BE49-F238E27FC236}">
+                <a16:creationId xmlns:a16="http://schemas.microsoft.com/office/drawing/2014/main" id="{08627AFB-C3A5-554D-BD91-A03F6A7A7528}"/>
+              </a:ext>
+            </a:extLst>
+          </p:cNvPr>
+          <p:cNvSpPr/>
+          <p:nvPr/>
+        </p:nvSpPr>
+        <p:spPr>
+          <a:xfrm rot="10800000" flipV="1">
+            <a:off x="7300953" y="3315470"/>
+            <a:ext cx="1219201" cy="244720"/>
+          </a:xfrm>
+          <a:prstGeom prst="rect">
+            <a:avLst/>
+          </a:prstGeom>
+          <a:ln>
+            <a:bevel/>
+          </a:ln>
+        </p:spPr>
+        <p:style>
+          <a:lnRef idx="2">
+            <a:schemeClr val="accent3">
+              <a:shade val="50000"/>
+            </a:schemeClr>
+          </a:lnRef>
+          <a:fillRef idx="1">
+            <a:schemeClr val="accent3"/>
+          </a:fillRef>
+          <a:effectRef idx="0">
+            <a:schemeClr val="accent3"/>
+          </a:effectRef>
+          <a:fontRef idx="minor">
+            <a:schemeClr val="lt1"/>
+          </a:fontRef>
+        </p:style>
+        <p:txBody>
+          <a:bodyPr rIns="90000" rtlCol="0" anchor="ctr"/>
+          <a:lstStyle/>
+          <a:p>
+            <a:pPr algn="ctr"/>
+            <a:r>
+              <a:rPr lang="de-DE" sz="1200" dirty="0"/>
+              <a:t>Open</a:t>
+            </a:r>
+          </a:p>
+        </p:txBody>
+      </p:sp>
+      <p:sp>
+        <p:nvSpPr>
+          <p:cNvPr id="30" name="Textfeld 29">
+            <a:extLst>
+              <a:ext uri="{FF2B5EF4-FFF2-40B4-BE49-F238E27FC236}">
+                <a16:creationId xmlns:a16="http://schemas.microsoft.com/office/drawing/2014/main" id="{CF0A63B2-2EFA-FE41-87DE-546FDD7BBD14}"/>
+              </a:ext>
+            </a:extLst>
+          </p:cNvPr>
+          <p:cNvSpPr txBox="1"/>
+          <p:nvPr/>
+        </p:nvSpPr>
+        <p:spPr>
+          <a:xfrm>
+            <a:off x="5719697" y="2974127"/>
+            <a:ext cx="844142" cy="307777"/>
+          </a:xfrm>
+          <a:prstGeom prst="rect">
+            <a:avLst/>
+          </a:prstGeom>
+          <a:noFill/>
+        </p:spPr>
+        <p:txBody>
+          <a:bodyPr wrap="none" lIns="0" rtlCol="0">
+            <a:spAutoFit/>
+          </a:bodyPr>
+          <a:lstStyle/>
+          <a:p>
+            <a:r>
+              <a:rPr lang="de-DE" sz="1400" dirty="0">
+                <a:solidFill>
+                  <a:schemeClr val="dk1"/>
+                </a:solidFill>
+              </a:rPr>
+              <a:t>Command</a:t>
+            </a:r>
+          </a:p>
+        </p:txBody>
+      </p:sp>
+      <p:sp>
+        <p:nvSpPr>
+          <p:cNvPr id="31" name="Rechteck 30">
+            <a:extLst>
+              <a:ext uri="{FF2B5EF4-FFF2-40B4-BE49-F238E27FC236}">
+                <a16:creationId xmlns:a16="http://schemas.microsoft.com/office/drawing/2014/main" id="{375DF0B9-E1C7-CA4A-8DB0-E14AB357AC62}"/>
+              </a:ext>
+            </a:extLst>
+          </p:cNvPr>
+          <p:cNvSpPr/>
+          <p:nvPr/>
+        </p:nvSpPr>
+        <p:spPr>
+          <a:xfrm rot="10800000" flipV="1">
+            <a:off x="7300952" y="1978060"/>
+            <a:ext cx="1219201" cy="244720"/>
+          </a:xfrm>
+          <a:prstGeom prst="rect">
+            <a:avLst/>
+          </a:prstGeom>
+          <a:ln>
+            <a:bevel/>
+          </a:ln>
+        </p:spPr>
+        <p:style>
+          <a:lnRef idx="2">
+            <a:schemeClr val="accent3">
+              <a:shade val="50000"/>
+            </a:schemeClr>
+          </a:lnRef>
+          <a:fillRef idx="1">
+            <a:schemeClr val="accent3"/>
+          </a:fillRef>
+          <a:effectRef idx="0">
+            <a:schemeClr val="accent3"/>
+          </a:effectRef>
+          <a:fontRef idx="minor">
+            <a:schemeClr val="lt1"/>
+          </a:fontRef>
+        </p:style>
+        <p:txBody>
+          <a:bodyPr rIns="144000" rtlCol="0" anchor="ctr"/>
+          <a:lstStyle/>
+          <a:p>
+            <a:pPr algn="ctr"/>
+            <a:r>
+              <a:rPr lang="de-DE" sz="1200" dirty="0"/>
+              <a:t>_bump</a:t>
+            </a:r>
+          </a:p>
+        </p:txBody>
+      </p:sp>
+      <p:cxnSp>
+        <p:nvCxnSpPr>
+          <p:cNvPr id="32" name="Gerade Verbindung 31">
+            <a:extLst>
+              <a:ext uri="{FF2B5EF4-FFF2-40B4-BE49-F238E27FC236}">
+                <a16:creationId xmlns:a16="http://schemas.microsoft.com/office/drawing/2014/main" id="{B3D64DF5-AA03-224F-BFC7-E516EBF8E62B}"/>
+              </a:ext>
+            </a:extLst>
+          </p:cNvPr>
+          <p:cNvCxnSpPr/>
+          <p:nvPr/>
+        </p:nvCxnSpPr>
+        <p:spPr>
+          <a:xfrm>
+            <a:off x="2557227" y="3781562"/>
+            <a:ext cx="5962928" cy="0"/>
+          </a:xfrm>
+          <a:prstGeom prst="line">
+            <a:avLst/>
+          </a:prstGeom>
+        </p:spPr>
+        <p:style>
+          <a:lnRef idx="2">
+            <a:schemeClr val="accent3"/>
+          </a:lnRef>
+          <a:fillRef idx="0">
+            <a:schemeClr val="accent3"/>
+          </a:fillRef>
+          <a:effectRef idx="1">
+            <a:schemeClr val="accent3"/>
+          </a:effectRef>
+          <a:fontRef idx="minor">
+            <a:schemeClr val="tx1"/>
+          </a:fontRef>
+        </p:style>
+      </p:cxnSp>
+      <p:sp>
+        <p:nvSpPr>
+          <p:cNvPr id="33" name="Oval 32">
+            <a:extLst>
+              <a:ext uri="{FF2B5EF4-FFF2-40B4-BE49-F238E27FC236}">
+                <a16:creationId xmlns:a16="http://schemas.microsoft.com/office/drawing/2014/main" id="{80F80601-8427-9B43-B8FF-E98E693A59C7}"/>
+              </a:ext>
+            </a:extLst>
+          </p:cNvPr>
+          <p:cNvSpPr/>
+          <p:nvPr/>
+        </p:nvSpPr>
+        <p:spPr>
+          <a:xfrm>
+            <a:off x="2576846" y="3905700"/>
+            <a:ext cx="813599" cy="813599"/>
+          </a:xfrm>
+          <a:prstGeom prst="ellipse">
+            <a:avLst/>
+          </a:prstGeom>
+          <a:noFill/>
+          <a:ln>
+            <a:solidFill>
+              <a:srgbClr val="34C0E9"/>
+            </a:solidFill>
+            <a:bevel/>
+          </a:ln>
+        </p:spPr>
+        <p:style>
+          <a:lnRef idx="2">
+            <a:schemeClr val="accent3">
+              <a:shade val="50000"/>
+            </a:schemeClr>
+          </a:lnRef>
+          <a:fillRef idx="1">
+            <a:schemeClr val="accent3"/>
+          </a:fillRef>
+          <a:effectRef idx="0">
+            <a:schemeClr val="accent3"/>
+          </a:effectRef>
+          <a:fontRef idx="minor">
+            <a:schemeClr val="lt1"/>
+          </a:fontRef>
+        </p:style>
+        <p:txBody>
+          <a:bodyPr lIns="0" tIns="0" rIns="0" bIns="0" rtlCol="0" anchor="ctr"/>
+          <a:lstStyle/>
+          <a:p>
+            <a:pPr algn="ctr"/>
+            <a:r>
+              <a:rPr lang="de-DE" sz="1600" b="1" dirty="0">
+                <a:solidFill>
+                  <a:srgbClr val="34C0E9"/>
+                </a:solidFill>
+              </a:rPr>
+              <a:t>DOCS</a:t>
+            </a:r>
+          </a:p>
+        </p:txBody>
+      </p:sp>
+      <p:sp>
+        <p:nvSpPr>
+          <p:cNvPr id="34" name="Oval 33">
+            <a:extLst>
+              <a:ext uri="{FF2B5EF4-FFF2-40B4-BE49-F238E27FC236}">
+                <a16:creationId xmlns:a16="http://schemas.microsoft.com/office/drawing/2014/main" id="{C7BCE391-75E5-324F-841F-CE93A1E500A7}"/>
+              </a:ext>
+            </a:extLst>
+          </p:cNvPr>
+          <p:cNvSpPr/>
+          <p:nvPr/>
+        </p:nvSpPr>
+        <p:spPr>
+          <a:xfrm>
+            <a:off x="3780566" y="3889747"/>
+            <a:ext cx="813599" cy="813599"/>
+          </a:xfrm>
+          <a:prstGeom prst="ellipse">
+            <a:avLst/>
+          </a:prstGeom>
+          <a:solidFill>
+            <a:srgbClr val="34C0E9"/>
+          </a:solidFill>
+          <a:ln>
+            <a:solidFill>
+              <a:srgbClr val="34C0E9"/>
+            </a:solidFill>
+            <a:bevel/>
+          </a:ln>
+        </p:spPr>
+        <p:style>
+          <a:lnRef idx="2">
+            <a:schemeClr val="accent3">
+              <a:shade val="50000"/>
+            </a:schemeClr>
+          </a:lnRef>
+          <a:fillRef idx="1">
+            <a:schemeClr val="accent3"/>
+          </a:fillRef>
+          <a:effectRef idx="0">
+            <a:schemeClr val="accent3"/>
+          </a:effectRef>
+          <a:fontRef idx="minor">
+            <a:schemeClr val="lt1"/>
+          </a:fontRef>
+        </p:style>
+        <p:txBody>
+          <a:bodyPr lIns="0" tIns="0" rIns="0" bIns="0" rtlCol="0" anchor="ctr"/>
+          <a:lstStyle/>
+          <a:p>
+            <a:pPr algn="ctr"/>
+            <a:r>
+              <a:rPr lang="de-DE" sz="1600" b="1" dirty="0">
+                <a:solidFill>
+                  <a:schemeClr val="bg1"/>
+                </a:solidFill>
+              </a:rPr>
+              <a:t>DOCS</a:t>
+            </a:r>
+          </a:p>
+        </p:txBody>
+      </p:sp>
+      <p:sp>
+        <p:nvSpPr>
+          <p:cNvPr id="35" name="Oval 34">
+            <a:extLst>
+              <a:ext uri="{FF2B5EF4-FFF2-40B4-BE49-F238E27FC236}">
+                <a16:creationId xmlns:a16="http://schemas.microsoft.com/office/drawing/2014/main" id="{C2547894-F858-7345-91DB-6A2D0C264FD9}"/>
+              </a:ext>
+            </a:extLst>
+          </p:cNvPr>
+          <p:cNvSpPr/>
+          <p:nvPr/>
+        </p:nvSpPr>
+        <p:spPr>
+          <a:xfrm>
+            <a:off x="6398291" y="3905700"/>
+            <a:ext cx="813599" cy="813599"/>
+          </a:xfrm>
+          <a:prstGeom prst="ellipse">
+            <a:avLst/>
+          </a:prstGeom>
+          <a:noFill/>
+          <a:ln>
+            <a:solidFill>
+              <a:srgbClr val="8DD76E"/>
+            </a:solidFill>
+            <a:bevel/>
+          </a:ln>
+        </p:spPr>
+        <p:style>
+          <a:lnRef idx="2">
+            <a:schemeClr val="accent3">
+              <a:shade val="50000"/>
+            </a:schemeClr>
+          </a:lnRef>
+          <a:fillRef idx="1">
+            <a:schemeClr val="accent3"/>
+          </a:fillRef>
+          <a:effectRef idx="0">
+            <a:schemeClr val="accent3"/>
+          </a:effectRef>
+          <a:fontRef idx="minor">
+            <a:schemeClr val="lt1"/>
+          </a:fontRef>
+        </p:style>
+        <p:txBody>
+          <a:bodyPr lIns="0" tIns="0" rIns="0" bIns="0" rtlCol="0" anchor="ctr"/>
+          <a:lstStyle/>
+          <a:p>
+            <a:pPr algn="ctr"/>
+            <a:r>
+              <a:rPr lang="de-DE" sz="1600" b="1" dirty="0">
+                <a:solidFill>
+                  <a:srgbClr val="8DD76E"/>
+                </a:solidFill>
+              </a:rPr>
+              <a:t>DOCS</a:t>
+            </a:r>
+          </a:p>
+        </p:txBody>
+      </p:sp>
+      <p:sp>
+        <p:nvSpPr>
+          <p:cNvPr id="36" name="Oval 35">
+            <a:extLst>
+              <a:ext uri="{FF2B5EF4-FFF2-40B4-BE49-F238E27FC236}">
+                <a16:creationId xmlns:a16="http://schemas.microsoft.com/office/drawing/2014/main" id="{A7900E3B-BC95-2249-A42D-D1BDB7300B1F}"/>
+              </a:ext>
+            </a:extLst>
+          </p:cNvPr>
+          <p:cNvSpPr/>
+          <p:nvPr/>
+        </p:nvSpPr>
+        <p:spPr>
+          <a:xfrm>
+            <a:off x="7707353" y="3889747"/>
+            <a:ext cx="813599" cy="813599"/>
+          </a:xfrm>
+          <a:prstGeom prst="ellipse">
+            <a:avLst/>
+          </a:prstGeom>
+          <a:solidFill>
+            <a:srgbClr val="8DD76E"/>
+          </a:solidFill>
+          <a:ln>
+            <a:solidFill>
+              <a:srgbClr val="8DD76E"/>
+            </a:solidFill>
+            <a:bevel/>
+          </a:ln>
+        </p:spPr>
+        <p:style>
+          <a:lnRef idx="2">
+            <a:schemeClr val="accent3">
+              <a:shade val="50000"/>
+            </a:schemeClr>
+          </a:lnRef>
+          <a:fillRef idx="1">
+            <a:schemeClr val="accent3"/>
+          </a:fillRef>
+          <a:effectRef idx="0">
+            <a:schemeClr val="accent3"/>
+          </a:effectRef>
+          <a:fontRef idx="minor">
+            <a:schemeClr val="lt1"/>
+          </a:fontRef>
+        </p:style>
+        <p:txBody>
+          <a:bodyPr lIns="0" tIns="0" rIns="0" bIns="0" rtlCol="0" anchor="ctr"/>
+          <a:lstStyle/>
+          <a:p>
+            <a:pPr algn="ctr"/>
+            <a:r>
+              <a:rPr lang="de-DE" sz="1600" b="1" dirty="0">
+                <a:solidFill>
+                  <a:schemeClr val="bg1"/>
+                </a:solidFill>
+              </a:rPr>
+              <a:t>DOCS</a:t>
+            </a:r>
+          </a:p>
+        </p:txBody>
+      </p:sp>
+      <p:sp>
+        <p:nvSpPr>
+          <p:cNvPr id="37" name="Oval 36">
+            <a:extLst>
+              <a:ext uri="{FF2B5EF4-FFF2-40B4-BE49-F238E27FC236}">
+                <a16:creationId xmlns:a16="http://schemas.microsoft.com/office/drawing/2014/main" id="{E60A3B63-F52A-AC41-95AC-EFBFEB0C9335}"/>
+              </a:ext>
+            </a:extLst>
+          </p:cNvPr>
+          <p:cNvSpPr/>
+          <p:nvPr/>
+        </p:nvSpPr>
+        <p:spPr>
+          <a:xfrm>
+            <a:off x="5089229" y="3889747"/>
+            <a:ext cx="813599" cy="813599"/>
+          </a:xfrm>
+          <a:prstGeom prst="ellipse">
+            <a:avLst/>
+          </a:prstGeom>
+          <a:solidFill>
+            <a:srgbClr val="34C0E9"/>
+          </a:solidFill>
+          <a:ln>
+            <a:solidFill>
+              <a:srgbClr val="8DD76E"/>
+            </a:solidFill>
+            <a:bevel/>
+          </a:ln>
+        </p:spPr>
+        <p:style>
+          <a:lnRef idx="2">
+            <a:schemeClr val="accent3">
+              <a:shade val="50000"/>
+            </a:schemeClr>
+          </a:lnRef>
+          <a:fillRef idx="1">
+            <a:schemeClr val="accent3"/>
+          </a:fillRef>
+          <a:effectRef idx="0">
+            <a:schemeClr val="accent3"/>
+          </a:effectRef>
+          <a:fontRef idx="minor">
+            <a:schemeClr val="lt1"/>
+          </a:fontRef>
+        </p:style>
+        <p:txBody>
+          <a:bodyPr lIns="0" tIns="0" rIns="0" bIns="0" rtlCol="0" anchor="ctr"/>
+          <a:lstStyle/>
+          <a:p>
+            <a:pPr algn="ctr"/>
+            <a:r>
+              <a:rPr lang="de-DE" sz="1600" b="1" dirty="0">
+                <a:solidFill>
+                  <a:srgbClr val="8DD76E"/>
+                </a:solidFill>
+              </a:rPr>
+              <a:t>DOCS</a:t>
+            </a:r>
+          </a:p>
+        </p:txBody>
+      </p:sp>
     </p:spTree>
     <p:extLst>
       <p:ext uri="{BB962C8B-B14F-4D97-AF65-F5344CB8AC3E}">
